--- a/7_figure/figure-rapport.pptx
+++ b/7_figure/figure-rapport.pptx
@@ -5,10 +5,11 @@
     <p:sldMasterId id="2147483660" r:id="rId1"/>
   </p:sldMasterIdLst>
   <p:notesMasterIdLst>
-    <p:notesMasterId r:id="rId3"/>
+    <p:notesMasterId r:id="rId4"/>
   </p:notesMasterIdLst>
   <p:sldIdLst>
     <p:sldId id="256" r:id="rId2"/>
+    <p:sldId id="257" r:id="rId3"/>
   </p:sldIdLst>
   <p:sldSz cx="18000663" cy="28800425"/>
   <p:notesSz cx="6797675" cy="9926638"/>
@@ -107,6 +108,14 @@
       </a:defRPr>
     </a:lvl9pPr>
   </p:defaultTextStyle>
+  <p:extLst>
+    <p:ext uri="{EFAFB233-063F-42B5-8137-9DF3F51BA10A}">
+      <p15:sldGuideLst xmlns:p15="http://schemas.microsoft.com/office/powerpoint/2012/main"/>
+    </p:ext>
+    <p:ext uri="{2D200454-40CA-4A62-9FC3-DE9A4176ACB9}">
+      <p15:notesGuideLst xmlns:p15="http://schemas.microsoft.com/office/powerpoint/2012/main"/>
+    </p:ext>
+  </p:extLst>
 </p:presentation>
 </file>
 
@@ -192,7 +201,7 @@
           <a:p>
             <a:fld id="{662ACBE2-7B40-432E-84E6-A8114CC93FEC}" type="datetimeFigureOut">
               <a:rPr lang="fr-CH" smtClean="0"/>
-              <a:t>12.06.2018</a:t>
+              <a:t>02.07.2018</a:t>
             </a:fld>
             <a:endParaRPr lang="fr-CH"/>
           </a:p>
@@ -549,6 +558,95 @@
 </p:notes>
 </file>
 
+<file path=ppt/notesSlides/notesSlide2.xml><?xml version="1.0" encoding="utf-8"?>
+<p:notes xmlns:a="http://schemas.openxmlformats.org/drawingml/2006/main" xmlns:r="http://schemas.openxmlformats.org/officeDocument/2006/relationships" xmlns:p="http://schemas.openxmlformats.org/presentationml/2006/main">
+  <p:cSld>
+    <p:spTree>
+      <p:nvGrpSpPr>
+        <p:cNvPr id="1" name=""/>
+        <p:cNvGrpSpPr/>
+        <p:nvPr/>
+      </p:nvGrpSpPr>
+      <p:grpSpPr>
+        <a:xfrm>
+          <a:off x="0" y="0"/>
+          <a:ext cx="0" cy="0"/>
+          <a:chOff x="0" y="0"/>
+          <a:chExt cx="0" cy="0"/>
+        </a:xfrm>
+      </p:grpSpPr>
+      <p:sp>
+        <p:nvSpPr>
+          <p:cNvPr id="2" name="Espace réservé de l'image des diapositives 1"/>
+          <p:cNvSpPr>
+            <a:spLocks noGrp="1" noRot="1" noChangeAspect="1"/>
+          </p:cNvSpPr>
+          <p:nvPr>
+            <p:ph type="sldImg"/>
+          </p:nvPr>
+        </p:nvSpPr>
+        <p:spPr>
+          <a:xfrm>
+            <a:off x="2352675" y="1241425"/>
+            <a:ext cx="2092325" cy="3349625"/>
+          </a:xfrm>
+        </p:spPr>
+      </p:sp>
+      <p:sp>
+        <p:nvSpPr>
+          <p:cNvPr id="3" name="Espace réservé des notes 2"/>
+          <p:cNvSpPr>
+            <a:spLocks noGrp="1"/>
+          </p:cNvSpPr>
+          <p:nvPr>
+            <p:ph type="body" idx="1"/>
+          </p:nvPr>
+        </p:nvSpPr>
+        <p:spPr/>
+        <p:txBody>
+          <a:bodyPr/>
+          <a:lstStyle/>
+          <a:p>
+            <a:endParaRPr lang="fr-CH"/>
+          </a:p>
+        </p:txBody>
+      </p:sp>
+      <p:sp>
+        <p:nvSpPr>
+          <p:cNvPr id="4" name="Espace réservé du numéro de diapositive 3"/>
+          <p:cNvSpPr>
+            <a:spLocks noGrp="1"/>
+          </p:cNvSpPr>
+          <p:nvPr>
+            <p:ph type="sldNum" sz="quarter" idx="10"/>
+          </p:nvPr>
+        </p:nvSpPr>
+        <p:spPr/>
+        <p:txBody>
+          <a:bodyPr/>
+          <a:lstStyle/>
+          <a:p>
+            <a:fld id="{3A0B9522-7060-4A0D-B12D-D36E21AACB00}" type="slidenum">
+              <a:rPr lang="fr-CH" smtClean="0"/>
+              <a:t>2</a:t>
+            </a:fld>
+            <a:endParaRPr lang="fr-CH"/>
+          </a:p>
+        </p:txBody>
+      </p:sp>
+    </p:spTree>
+    <p:extLst>
+      <p:ext uri="{BB962C8B-B14F-4D97-AF65-F5344CB8AC3E}">
+        <p14:creationId xmlns:p14="http://schemas.microsoft.com/office/powerpoint/2010/main" val="2094215566"/>
+      </p:ext>
+    </p:extLst>
+  </p:cSld>
+  <p:clrMapOvr>
+    <a:masterClrMapping/>
+  </p:clrMapOvr>
+</p:notes>
+</file>
+
 <file path=ppt/slideLayouts/slideLayout1.xml><?xml version="1.0" encoding="utf-8"?>
 <p:sldLayout xmlns:a="http://schemas.openxmlformats.org/drawingml/2006/main" xmlns:r="http://schemas.openxmlformats.org/officeDocument/2006/relationships" xmlns:p="http://schemas.openxmlformats.org/presentationml/2006/main" type="title" preserve="1">
   <p:cSld name="Diapositive de titre">
@@ -680,7 +778,7 @@
           <a:p>
             <a:fld id="{1CE69A5C-8EA3-4407-B495-FB62C9BA540F}" type="datetimeFigureOut">
               <a:rPr lang="fr-CH" smtClean="0"/>
-              <a:t>12.06.2018</a:t>
+              <a:t>02.07.2018</a:t>
             </a:fld>
             <a:endParaRPr lang="fr-CH"/>
           </a:p>
@@ -850,7 +948,7 @@
           <a:p>
             <a:fld id="{1CE69A5C-8EA3-4407-B495-FB62C9BA540F}" type="datetimeFigureOut">
               <a:rPr lang="fr-CH" smtClean="0"/>
-              <a:t>12.06.2018</a:t>
+              <a:t>02.07.2018</a:t>
             </a:fld>
             <a:endParaRPr lang="fr-CH"/>
           </a:p>
@@ -1030,7 +1128,7 @@
           <a:p>
             <a:fld id="{1CE69A5C-8EA3-4407-B495-FB62C9BA540F}" type="datetimeFigureOut">
               <a:rPr lang="fr-CH" smtClean="0"/>
-              <a:t>12.06.2018</a:t>
+              <a:t>02.07.2018</a:t>
             </a:fld>
             <a:endParaRPr lang="fr-CH"/>
           </a:p>
@@ -1200,7 +1298,7 @@
           <a:p>
             <a:fld id="{1CE69A5C-8EA3-4407-B495-FB62C9BA540F}" type="datetimeFigureOut">
               <a:rPr lang="fr-CH" smtClean="0"/>
-              <a:t>12.06.2018</a:t>
+              <a:t>02.07.2018</a:t>
             </a:fld>
             <a:endParaRPr lang="fr-CH"/>
           </a:p>
@@ -1444,7 +1542,7 @@
           <a:p>
             <a:fld id="{1CE69A5C-8EA3-4407-B495-FB62C9BA540F}" type="datetimeFigureOut">
               <a:rPr lang="fr-CH" smtClean="0"/>
-              <a:t>12.06.2018</a:t>
+              <a:t>02.07.2018</a:t>
             </a:fld>
             <a:endParaRPr lang="fr-CH"/>
           </a:p>
@@ -1676,7 +1774,7 @@
           <a:p>
             <a:fld id="{1CE69A5C-8EA3-4407-B495-FB62C9BA540F}" type="datetimeFigureOut">
               <a:rPr lang="fr-CH" smtClean="0"/>
-              <a:t>12.06.2018</a:t>
+              <a:t>02.07.2018</a:t>
             </a:fld>
             <a:endParaRPr lang="fr-CH"/>
           </a:p>
@@ -2043,7 +2141,7 @@
           <a:p>
             <a:fld id="{1CE69A5C-8EA3-4407-B495-FB62C9BA540F}" type="datetimeFigureOut">
               <a:rPr lang="fr-CH" smtClean="0"/>
-              <a:t>12.06.2018</a:t>
+              <a:t>02.07.2018</a:t>
             </a:fld>
             <a:endParaRPr lang="fr-CH"/>
           </a:p>
@@ -2161,7 +2259,7 @@
           <a:p>
             <a:fld id="{1CE69A5C-8EA3-4407-B495-FB62C9BA540F}" type="datetimeFigureOut">
               <a:rPr lang="fr-CH" smtClean="0"/>
-              <a:t>12.06.2018</a:t>
+              <a:t>02.07.2018</a:t>
             </a:fld>
             <a:endParaRPr lang="fr-CH"/>
           </a:p>
@@ -2256,7 +2354,7 @@
           <a:p>
             <a:fld id="{1CE69A5C-8EA3-4407-B495-FB62C9BA540F}" type="datetimeFigureOut">
               <a:rPr lang="fr-CH" smtClean="0"/>
-              <a:t>12.06.2018</a:t>
+              <a:t>02.07.2018</a:t>
             </a:fld>
             <a:endParaRPr lang="fr-CH"/>
           </a:p>
@@ -2533,7 +2631,7 @@
           <a:p>
             <a:fld id="{1CE69A5C-8EA3-4407-B495-FB62C9BA540F}" type="datetimeFigureOut">
               <a:rPr lang="fr-CH" smtClean="0"/>
-              <a:t>12.06.2018</a:t>
+              <a:t>02.07.2018</a:t>
             </a:fld>
             <a:endParaRPr lang="fr-CH"/>
           </a:p>
@@ -2790,7 +2888,7 @@
           <a:p>
             <a:fld id="{1CE69A5C-8EA3-4407-B495-FB62C9BA540F}" type="datetimeFigureOut">
               <a:rPr lang="fr-CH" smtClean="0"/>
-              <a:t>12.06.2018</a:t>
+              <a:t>02.07.2018</a:t>
             </a:fld>
             <a:endParaRPr lang="fr-CH"/>
           </a:p>
@@ -3003,7 +3101,7 @@
           <a:p>
             <a:fld id="{1CE69A5C-8EA3-4407-B495-FB62C9BA540F}" type="datetimeFigureOut">
               <a:rPr lang="fr-CH" smtClean="0"/>
-              <a:t>12.06.2018</a:t>
+              <a:t>02.07.2018</a:t>
             </a:fld>
             <a:endParaRPr lang="fr-CH"/>
           </a:p>
@@ -6106,6 +6204,719 @@
     <p:extLst>
       <p:ext uri="{BB962C8B-B14F-4D97-AF65-F5344CB8AC3E}">
         <p14:creationId xmlns:p14="http://schemas.microsoft.com/office/powerpoint/2010/main" val="667589521"/>
+      </p:ext>
+    </p:extLst>
+  </p:cSld>
+  <p:clrMapOvr>
+    <a:masterClrMapping/>
+  </p:clrMapOvr>
+  <p:timing>
+    <p:tnLst>
+      <p:par>
+        <p:cTn id="1" dur="indefinite" restart="never" nodeType="tmRoot"/>
+      </p:par>
+    </p:tnLst>
+  </p:timing>
+</p:sld>
+</file>
+
+<file path=ppt/slides/slide2.xml><?xml version="1.0" encoding="utf-8"?>
+<p:sld xmlns:a="http://schemas.openxmlformats.org/drawingml/2006/main" xmlns:r="http://schemas.openxmlformats.org/officeDocument/2006/relationships" xmlns:p="http://schemas.openxmlformats.org/presentationml/2006/main">
+  <p:cSld>
+    <p:spTree>
+      <p:nvGrpSpPr>
+        <p:cNvPr id="1" name=""/>
+        <p:cNvGrpSpPr/>
+        <p:nvPr/>
+      </p:nvGrpSpPr>
+      <p:grpSpPr>
+        <a:xfrm>
+          <a:off x="0" y="0"/>
+          <a:ext cx="0" cy="0"/>
+          <a:chOff x="0" y="0"/>
+          <a:chExt cx="0" cy="0"/>
+        </a:xfrm>
+      </p:grpSpPr>
+      <p:sp>
+        <p:nvSpPr>
+          <p:cNvPr id="4" name="Rectangle 3"/>
+          <p:cNvSpPr/>
+          <p:nvPr/>
+        </p:nvSpPr>
+        <p:spPr>
+          <a:xfrm>
+            <a:off x="6921500" y="1574800"/>
+            <a:ext cx="3429000" cy="812800"/>
+          </a:xfrm>
+          <a:prstGeom prst="rect">
+            <a:avLst/>
+          </a:prstGeom>
+        </p:spPr>
+        <p:style>
+          <a:lnRef idx="2">
+            <a:schemeClr val="accent1">
+              <a:shade val="50000"/>
+            </a:schemeClr>
+          </a:lnRef>
+          <a:fillRef idx="1">
+            <a:schemeClr val="accent1"/>
+          </a:fillRef>
+          <a:effectRef idx="0">
+            <a:schemeClr val="accent1"/>
+          </a:effectRef>
+          <a:fontRef idx="minor">
+            <a:schemeClr val="lt1"/>
+          </a:fontRef>
+        </p:style>
+        <p:txBody>
+          <a:bodyPr rtlCol="0" anchor="ctr"/>
+          <a:lstStyle/>
+          <a:p>
+            <a:pPr algn="ctr"/>
+            <a:r>
+              <a:rPr lang="fr-CH" dirty="0" smtClean="0"/>
+              <a:t>Acquisition</a:t>
+            </a:r>
+            <a:endParaRPr lang="fr-CH" dirty="0"/>
+          </a:p>
+        </p:txBody>
+      </p:sp>
+      <p:sp>
+        <p:nvSpPr>
+          <p:cNvPr id="5" name="Rectangle 4"/>
+          <p:cNvSpPr/>
+          <p:nvPr/>
+        </p:nvSpPr>
+        <p:spPr>
+          <a:xfrm>
+            <a:off x="7499350" y="3098800"/>
+            <a:ext cx="2273300" cy="812800"/>
+          </a:xfrm>
+          <a:prstGeom prst="rect">
+            <a:avLst/>
+          </a:prstGeom>
+        </p:spPr>
+        <p:style>
+          <a:lnRef idx="2">
+            <a:schemeClr val="accent4">
+              <a:shade val="50000"/>
+            </a:schemeClr>
+          </a:lnRef>
+          <a:fillRef idx="1">
+            <a:schemeClr val="accent4"/>
+          </a:fillRef>
+          <a:effectRef idx="0">
+            <a:schemeClr val="accent4"/>
+          </a:effectRef>
+          <a:fontRef idx="minor">
+            <a:schemeClr val="lt1"/>
+          </a:fontRef>
+        </p:style>
+        <p:txBody>
+          <a:bodyPr rtlCol="0" anchor="ctr"/>
+          <a:lstStyle/>
+          <a:p>
+            <a:pPr algn="ctr"/>
+            <a:r>
+              <a:rPr lang="fr-CH" dirty="0" smtClean="0"/>
+              <a:t>Durée d’acquisition</a:t>
+            </a:r>
+            <a:endParaRPr lang="fr-CH" dirty="0"/>
+          </a:p>
+        </p:txBody>
+      </p:sp>
+      <p:sp>
+        <p:nvSpPr>
+          <p:cNvPr id="73" name="Rectangle 72"/>
+          <p:cNvSpPr/>
+          <p:nvPr/>
+        </p:nvSpPr>
+        <p:spPr>
+          <a:xfrm>
+            <a:off x="7210425" y="4622800"/>
+            <a:ext cx="2851150" cy="812800"/>
+          </a:xfrm>
+          <a:prstGeom prst="rect">
+            <a:avLst/>
+          </a:prstGeom>
+        </p:spPr>
+        <p:style>
+          <a:lnRef idx="2">
+            <a:schemeClr val="accent1">
+              <a:shade val="50000"/>
+            </a:schemeClr>
+          </a:lnRef>
+          <a:fillRef idx="1">
+            <a:schemeClr val="accent1"/>
+          </a:fillRef>
+          <a:effectRef idx="0">
+            <a:schemeClr val="accent1"/>
+          </a:effectRef>
+          <a:fontRef idx="minor">
+            <a:schemeClr val="lt1"/>
+          </a:fontRef>
+        </p:style>
+        <p:txBody>
+          <a:bodyPr rtlCol="0" anchor="ctr"/>
+          <a:lstStyle/>
+          <a:p>
+            <a:pPr algn="ctr"/>
+            <a:r>
+              <a:rPr lang="fr-CH" dirty="0" smtClean="0"/>
+              <a:t>Référencement</a:t>
+            </a:r>
+            <a:endParaRPr lang="fr-CH" dirty="0"/>
+          </a:p>
+        </p:txBody>
+      </p:sp>
+      <p:sp>
+        <p:nvSpPr>
+          <p:cNvPr id="75" name="Rectangle 74"/>
+          <p:cNvSpPr/>
+          <p:nvPr/>
+        </p:nvSpPr>
+        <p:spPr>
+          <a:xfrm>
+            <a:off x="3255281" y="6328229"/>
+            <a:ext cx="2851150" cy="812800"/>
+          </a:xfrm>
+          <a:prstGeom prst="rect">
+            <a:avLst/>
+          </a:prstGeom>
+        </p:spPr>
+        <p:style>
+          <a:lnRef idx="2">
+            <a:schemeClr val="accent4">
+              <a:shade val="50000"/>
+            </a:schemeClr>
+          </a:lnRef>
+          <a:fillRef idx="1">
+            <a:schemeClr val="accent4"/>
+          </a:fillRef>
+          <a:effectRef idx="0">
+            <a:schemeClr val="accent4"/>
+          </a:effectRef>
+          <a:fontRef idx="minor">
+            <a:schemeClr val="lt1"/>
+          </a:fontRef>
+        </p:style>
+        <p:txBody>
+          <a:bodyPr rtlCol="0" anchor="ctr"/>
+          <a:lstStyle/>
+          <a:p>
+            <a:pPr algn="ctr"/>
+            <a:r>
+              <a:rPr lang="fr-CH" dirty="0" smtClean="0"/>
+              <a:t>Nuages référencés</a:t>
+            </a:r>
+            <a:endParaRPr lang="fr-CH" dirty="0"/>
+          </a:p>
+        </p:txBody>
+      </p:sp>
+      <p:sp>
+        <p:nvSpPr>
+          <p:cNvPr id="77" name="Rectangle 76"/>
+          <p:cNvSpPr/>
+          <p:nvPr/>
+        </p:nvSpPr>
+        <p:spPr>
+          <a:xfrm>
+            <a:off x="7210425" y="6328229"/>
+            <a:ext cx="2851150" cy="812800"/>
+          </a:xfrm>
+          <a:prstGeom prst="rect">
+            <a:avLst/>
+          </a:prstGeom>
+        </p:spPr>
+        <p:style>
+          <a:lnRef idx="2">
+            <a:schemeClr val="accent4">
+              <a:shade val="50000"/>
+            </a:schemeClr>
+          </a:lnRef>
+          <a:fillRef idx="1">
+            <a:schemeClr val="accent4"/>
+          </a:fillRef>
+          <a:effectRef idx="0">
+            <a:schemeClr val="accent4"/>
+          </a:effectRef>
+          <a:fontRef idx="minor">
+            <a:schemeClr val="lt1"/>
+          </a:fontRef>
+        </p:style>
+        <p:txBody>
+          <a:bodyPr rtlCol="0" anchor="ctr"/>
+          <a:lstStyle/>
+          <a:p>
+            <a:pPr algn="ctr"/>
+            <a:r>
+              <a:rPr lang="fr-CH" dirty="0" smtClean="0"/>
+              <a:t>Cibles référencées</a:t>
+            </a:r>
+            <a:endParaRPr lang="fr-CH" dirty="0"/>
+          </a:p>
+        </p:txBody>
+      </p:sp>
+      <p:sp>
+        <p:nvSpPr>
+          <p:cNvPr id="78" name="Rectangle 77"/>
+          <p:cNvSpPr/>
+          <p:nvPr/>
+        </p:nvSpPr>
+        <p:spPr>
+          <a:xfrm>
+            <a:off x="11151053" y="6328229"/>
+            <a:ext cx="2851150" cy="812800"/>
+          </a:xfrm>
+          <a:prstGeom prst="rect">
+            <a:avLst/>
+          </a:prstGeom>
+        </p:spPr>
+        <p:style>
+          <a:lnRef idx="2">
+            <a:schemeClr val="accent4">
+              <a:shade val="50000"/>
+            </a:schemeClr>
+          </a:lnRef>
+          <a:fillRef idx="1">
+            <a:schemeClr val="accent4"/>
+          </a:fillRef>
+          <a:effectRef idx="0">
+            <a:schemeClr val="accent4"/>
+          </a:effectRef>
+          <a:fontRef idx="minor">
+            <a:schemeClr val="lt1"/>
+          </a:fontRef>
+        </p:style>
+        <p:txBody>
+          <a:bodyPr rtlCol="0" anchor="ctr"/>
+          <a:lstStyle/>
+          <a:p>
+            <a:pPr algn="ctr"/>
+            <a:r>
+              <a:rPr lang="fr-CH" dirty="0" err="1" smtClean="0"/>
+              <a:t>Aérotriangulation</a:t>
+            </a:r>
+            <a:endParaRPr lang="fr-CH" dirty="0"/>
+          </a:p>
+        </p:txBody>
+      </p:sp>
+      <p:cxnSp>
+        <p:nvCxnSpPr>
+          <p:cNvPr id="8" name="Connecteur droit avec flèche 7"/>
+          <p:cNvCxnSpPr>
+            <a:stCxn id="4" idx="2"/>
+            <a:endCxn id="5" idx="0"/>
+          </p:cNvCxnSpPr>
+          <p:nvPr/>
+        </p:nvCxnSpPr>
+        <p:spPr>
+          <a:xfrm>
+            <a:off x="8636000" y="2387600"/>
+            <a:ext cx="0" cy="711200"/>
+          </a:xfrm>
+          <a:prstGeom prst="straightConnector1">
+            <a:avLst/>
+          </a:prstGeom>
+          <a:ln>
+            <a:tailEnd type="triangle"/>
+          </a:ln>
+        </p:spPr>
+        <p:style>
+          <a:lnRef idx="1">
+            <a:schemeClr val="accent1"/>
+          </a:lnRef>
+          <a:fillRef idx="0">
+            <a:schemeClr val="accent1"/>
+          </a:fillRef>
+          <a:effectRef idx="0">
+            <a:schemeClr val="accent1"/>
+          </a:effectRef>
+          <a:fontRef idx="minor">
+            <a:schemeClr val="tx1"/>
+          </a:fontRef>
+        </p:style>
+      </p:cxnSp>
+      <p:cxnSp>
+        <p:nvCxnSpPr>
+          <p:cNvPr id="10" name="Connecteur droit avec flèche 9"/>
+          <p:cNvCxnSpPr>
+            <a:stCxn id="5" idx="2"/>
+            <a:endCxn id="73" idx="0"/>
+          </p:cNvCxnSpPr>
+          <p:nvPr/>
+        </p:nvCxnSpPr>
+        <p:spPr>
+          <a:xfrm>
+            <a:off x="8636000" y="3911600"/>
+            <a:ext cx="0" cy="711200"/>
+          </a:xfrm>
+          <a:prstGeom prst="straightConnector1">
+            <a:avLst/>
+          </a:prstGeom>
+          <a:ln>
+            <a:tailEnd type="triangle"/>
+          </a:ln>
+        </p:spPr>
+        <p:style>
+          <a:lnRef idx="1">
+            <a:schemeClr val="accent1"/>
+          </a:lnRef>
+          <a:fillRef idx="0">
+            <a:schemeClr val="accent1"/>
+          </a:fillRef>
+          <a:effectRef idx="0">
+            <a:schemeClr val="accent1"/>
+          </a:effectRef>
+          <a:fontRef idx="minor">
+            <a:schemeClr val="tx1"/>
+          </a:fontRef>
+        </p:style>
+      </p:cxnSp>
+      <p:cxnSp>
+        <p:nvCxnSpPr>
+          <p:cNvPr id="12" name="Connecteur droit avec flèche 11"/>
+          <p:cNvCxnSpPr>
+            <a:stCxn id="73" idx="2"/>
+            <a:endCxn id="77" idx="0"/>
+          </p:cNvCxnSpPr>
+          <p:nvPr/>
+        </p:nvCxnSpPr>
+        <p:spPr>
+          <a:xfrm>
+            <a:off x="8636000" y="5435600"/>
+            <a:ext cx="0" cy="892629"/>
+          </a:xfrm>
+          <a:prstGeom prst="straightConnector1">
+            <a:avLst/>
+          </a:prstGeom>
+          <a:ln>
+            <a:tailEnd type="triangle"/>
+          </a:ln>
+        </p:spPr>
+        <p:style>
+          <a:lnRef idx="1">
+            <a:schemeClr val="accent1"/>
+          </a:lnRef>
+          <a:fillRef idx="0">
+            <a:schemeClr val="accent1"/>
+          </a:fillRef>
+          <a:effectRef idx="0">
+            <a:schemeClr val="accent1"/>
+          </a:effectRef>
+          <a:fontRef idx="minor">
+            <a:schemeClr val="tx1"/>
+          </a:fontRef>
+        </p:style>
+      </p:cxnSp>
+      <p:cxnSp>
+        <p:nvCxnSpPr>
+          <p:cNvPr id="14" name="Connecteur en angle 13"/>
+          <p:cNvCxnSpPr>
+            <a:stCxn id="73" idx="2"/>
+            <a:endCxn id="78" idx="0"/>
+          </p:cNvCxnSpPr>
+          <p:nvPr/>
+        </p:nvCxnSpPr>
+        <p:spPr>
+          <a:xfrm rot="16200000" flipH="1">
+            <a:off x="10160000" y="3911600"/>
+            <a:ext cx="892629" cy="3940628"/>
+          </a:xfrm>
+          <a:prstGeom prst="bentConnector3">
+            <a:avLst/>
+          </a:prstGeom>
+          <a:ln>
+            <a:tailEnd type="triangle"/>
+          </a:ln>
+        </p:spPr>
+        <p:style>
+          <a:lnRef idx="1">
+            <a:schemeClr val="accent1"/>
+          </a:lnRef>
+          <a:fillRef idx="0">
+            <a:schemeClr val="accent1"/>
+          </a:fillRef>
+          <a:effectRef idx="0">
+            <a:schemeClr val="accent1"/>
+          </a:effectRef>
+          <a:fontRef idx="minor">
+            <a:schemeClr val="tx1"/>
+          </a:fontRef>
+        </p:style>
+      </p:cxnSp>
+      <p:cxnSp>
+        <p:nvCxnSpPr>
+          <p:cNvPr id="16" name="Connecteur en angle 15"/>
+          <p:cNvCxnSpPr>
+            <a:stCxn id="73" idx="2"/>
+            <a:endCxn id="75" idx="0"/>
+          </p:cNvCxnSpPr>
+          <p:nvPr/>
+        </p:nvCxnSpPr>
+        <p:spPr>
+          <a:xfrm rot="5400000">
+            <a:off x="6212114" y="3904342"/>
+            <a:ext cx="892629" cy="3955144"/>
+          </a:xfrm>
+          <a:prstGeom prst="bentConnector3">
+            <a:avLst/>
+          </a:prstGeom>
+          <a:ln>
+            <a:tailEnd type="triangle"/>
+          </a:ln>
+        </p:spPr>
+        <p:style>
+          <a:lnRef idx="1">
+            <a:schemeClr val="accent1"/>
+          </a:lnRef>
+          <a:fillRef idx="0">
+            <a:schemeClr val="accent1"/>
+          </a:fillRef>
+          <a:effectRef idx="0">
+            <a:schemeClr val="accent1"/>
+          </a:effectRef>
+          <a:fontRef idx="minor">
+            <a:schemeClr val="tx1"/>
+          </a:fontRef>
+        </p:style>
+      </p:cxnSp>
+      <p:sp>
+        <p:nvSpPr>
+          <p:cNvPr id="88" name="Rectangle 87"/>
+          <p:cNvSpPr/>
+          <p:nvPr/>
+        </p:nvSpPr>
+        <p:spPr>
+          <a:xfrm>
+            <a:off x="7499350" y="8077199"/>
+            <a:ext cx="2273300" cy="812800"/>
+          </a:xfrm>
+          <a:prstGeom prst="rect">
+            <a:avLst/>
+          </a:prstGeom>
+        </p:spPr>
+        <p:style>
+          <a:lnRef idx="2">
+            <a:schemeClr val="accent4">
+              <a:shade val="50000"/>
+            </a:schemeClr>
+          </a:lnRef>
+          <a:fillRef idx="1">
+            <a:schemeClr val="accent4"/>
+          </a:fillRef>
+          <a:effectRef idx="0">
+            <a:schemeClr val="accent4"/>
+          </a:effectRef>
+          <a:fontRef idx="minor">
+            <a:schemeClr val="lt1"/>
+          </a:fontRef>
+        </p:style>
+        <p:txBody>
+          <a:bodyPr rtlCol="0" anchor="ctr"/>
+          <a:lstStyle/>
+          <a:p>
+            <a:pPr algn="ctr"/>
+            <a:r>
+              <a:rPr lang="fr-CH" dirty="0" smtClean="0"/>
+              <a:t>Qualité du référencement</a:t>
+            </a:r>
+            <a:endParaRPr lang="fr-CH" dirty="0"/>
+          </a:p>
+        </p:txBody>
+      </p:sp>
+      <p:cxnSp>
+        <p:nvCxnSpPr>
+          <p:cNvPr id="20" name="Connecteur en angle 19"/>
+          <p:cNvCxnSpPr>
+            <a:stCxn id="75" idx="2"/>
+            <a:endCxn id="88" idx="0"/>
+          </p:cNvCxnSpPr>
+          <p:nvPr/>
+        </p:nvCxnSpPr>
+        <p:spPr>
+          <a:xfrm rot="16200000" flipH="1">
+            <a:off x="6190343" y="5631542"/>
+            <a:ext cx="936170" cy="3955144"/>
+          </a:xfrm>
+          <a:prstGeom prst="bentConnector3">
+            <a:avLst/>
+          </a:prstGeom>
+          <a:ln>
+            <a:tailEnd type="triangle"/>
+          </a:ln>
+        </p:spPr>
+        <p:style>
+          <a:lnRef idx="1">
+            <a:schemeClr val="accent1"/>
+          </a:lnRef>
+          <a:fillRef idx="0">
+            <a:schemeClr val="accent1"/>
+          </a:fillRef>
+          <a:effectRef idx="0">
+            <a:schemeClr val="accent1"/>
+          </a:effectRef>
+          <a:fontRef idx="minor">
+            <a:schemeClr val="tx1"/>
+          </a:fontRef>
+        </p:style>
+      </p:cxnSp>
+      <p:cxnSp>
+        <p:nvCxnSpPr>
+          <p:cNvPr id="22" name="Connecteur droit avec flèche 21"/>
+          <p:cNvCxnSpPr>
+            <a:stCxn id="77" idx="2"/>
+            <a:endCxn id="88" idx="0"/>
+          </p:cNvCxnSpPr>
+          <p:nvPr/>
+        </p:nvCxnSpPr>
+        <p:spPr>
+          <a:xfrm>
+            <a:off x="8636000" y="7141029"/>
+            <a:ext cx="0" cy="936170"/>
+          </a:xfrm>
+          <a:prstGeom prst="straightConnector1">
+            <a:avLst/>
+          </a:prstGeom>
+          <a:ln>
+            <a:tailEnd type="triangle"/>
+          </a:ln>
+        </p:spPr>
+        <p:style>
+          <a:lnRef idx="1">
+            <a:schemeClr val="accent1"/>
+          </a:lnRef>
+          <a:fillRef idx="0">
+            <a:schemeClr val="accent1"/>
+          </a:fillRef>
+          <a:effectRef idx="0">
+            <a:schemeClr val="accent1"/>
+          </a:effectRef>
+          <a:fontRef idx="minor">
+            <a:schemeClr val="tx1"/>
+          </a:fontRef>
+        </p:style>
+      </p:cxnSp>
+      <p:cxnSp>
+        <p:nvCxnSpPr>
+          <p:cNvPr id="24" name="Connecteur en angle 23"/>
+          <p:cNvCxnSpPr>
+            <a:stCxn id="78" idx="2"/>
+            <a:endCxn id="88" idx="0"/>
+          </p:cNvCxnSpPr>
+          <p:nvPr/>
+        </p:nvCxnSpPr>
+        <p:spPr>
+          <a:xfrm rot="5400000">
+            <a:off x="10138229" y="5638800"/>
+            <a:ext cx="936170" cy="3940628"/>
+          </a:xfrm>
+          <a:prstGeom prst="bentConnector3">
+            <a:avLst/>
+          </a:prstGeom>
+          <a:ln>
+            <a:tailEnd type="triangle"/>
+          </a:ln>
+        </p:spPr>
+        <p:style>
+          <a:lnRef idx="1">
+            <a:schemeClr val="accent1"/>
+          </a:lnRef>
+          <a:fillRef idx="0">
+            <a:schemeClr val="accent1"/>
+          </a:fillRef>
+          <a:effectRef idx="0">
+            <a:schemeClr val="accent1"/>
+          </a:effectRef>
+          <a:fontRef idx="minor">
+            <a:schemeClr val="tx1"/>
+          </a:fontRef>
+        </p:style>
+      </p:cxnSp>
+      <p:sp>
+        <p:nvSpPr>
+          <p:cNvPr id="97" name="Rectangle 96"/>
+          <p:cNvSpPr/>
+          <p:nvPr/>
+        </p:nvSpPr>
+        <p:spPr>
+          <a:xfrm>
+            <a:off x="7210425" y="9419769"/>
+            <a:ext cx="2851150" cy="812800"/>
+          </a:xfrm>
+          <a:prstGeom prst="rect">
+            <a:avLst/>
+          </a:prstGeom>
+        </p:spPr>
+        <p:style>
+          <a:lnRef idx="2">
+            <a:schemeClr val="accent1">
+              <a:shade val="50000"/>
+            </a:schemeClr>
+          </a:lnRef>
+          <a:fillRef idx="1">
+            <a:schemeClr val="accent1"/>
+          </a:fillRef>
+          <a:effectRef idx="0">
+            <a:schemeClr val="accent1"/>
+          </a:effectRef>
+          <a:fontRef idx="minor">
+            <a:schemeClr val="lt1"/>
+          </a:fontRef>
+        </p:style>
+        <p:txBody>
+          <a:bodyPr rtlCol="0" anchor="ctr"/>
+          <a:lstStyle/>
+          <a:p>
+            <a:pPr algn="ctr"/>
+            <a:r>
+              <a:rPr lang="fr-CH" dirty="0" smtClean="0"/>
+              <a:t>Restitution</a:t>
+            </a:r>
+            <a:endParaRPr lang="fr-CH" dirty="0"/>
+          </a:p>
+        </p:txBody>
+      </p:sp>
+      <p:cxnSp>
+        <p:nvCxnSpPr>
+          <p:cNvPr id="26" name="Connecteur droit avec flèche 25"/>
+          <p:cNvCxnSpPr>
+            <a:stCxn id="88" idx="2"/>
+            <a:endCxn id="97" idx="0"/>
+          </p:cNvCxnSpPr>
+          <p:nvPr/>
+        </p:nvCxnSpPr>
+        <p:spPr>
+          <a:xfrm>
+            <a:off x="8636000" y="8889999"/>
+            <a:ext cx="0" cy="529770"/>
+          </a:xfrm>
+          <a:prstGeom prst="straightConnector1">
+            <a:avLst/>
+          </a:prstGeom>
+          <a:ln>
+            <a:tailEnd type="triangle"/>
+          </a:ln>
+        </p:spPr>
+        <p:style>
+          <a:lnRef idx="1">
+            <a:schemeClr val="accent1"/>
+          </a:lnRef>
+          <a:fillRef idx="0">
+            <a:schemeClr val="accent1"/>
+          </a:fillRef>
+          <a:effectRef idx="0">
+            <a:schemeClr val="accent1"/>
+          </a:effectRef>
+          <a:fontRef idx="minor">
+            <a:schemeClr val="tx1"/>
+          </a:fontRef>
+        </p:style>
+      </p:cxnSp>
+    </p:spTree>
+    <p:extLst>
+      <p:ext uri="{BB962C8B-B14F-4D97-AF65-F5344CB8AC3E}">
+        <p14:creationId xmlns:p14="http://schemas.microsoft.com/office/powerpoint/2010/main" val="2799861149"/>
       </p:ext>
     </p:extLst>
   </p:cSld>
